--- a/ppt 16-9/1209.追思歌.pptx
+++ b/ppt 16-9/1209.追思歌.pptx
@@ -5,7 +5,7 @@
     <p:sldMasterId id="2147483648" r:id="rId1"/>
   </p:sldMasterIdLst>
   <p:sldIdLst>
-    <p:sldId id="737" r:id="rId2"/>
+    <p:sldId id="738" r:id="rId2"/>
   </p:sldIdLst>
   <p:sldSz cx="12192000" cy="6858000"/>
   <p:notesSz cx="6858000" cy="9144000"/>
@@ -129,7 +129,7 @@
           <p:cNvPr id="2" name="标题 1">
             <a:extLst>
               <a:ext uri="{FF2B5EF4-FFF2-40B4-BE49-F238E27FC236}">
-                <a16:creationId xmlns:a16="http://schemas.microsoft.com/office/drawing/2014/main" id="{F8233E0F-9084-E3FB-0073-AA94C6C377E4}"/>
+                <a16:creationId xmlns:a16="http://schemas.microsoft.com/office/drawing/2014/main" id="{A387A6B1-C6E3-4868-7CCE-DADADECFAE80}"/>
               </a:ext>
             </a:extLst>
           </p:cNvPr>
@@ -166,7 +166,7 @@
           <p:cNvPr id="3" name="副标题 2">
             <a:extLst>
               <a:ext uri="{FF2B5EF4-FFF2-40B4-BE49-F238E27FC236}">
-                <a16:creationId xmlns:a16="http://schemas.microsoft.com/office/drawing/2014/main" id="{CBAF61DB-2320-04D7-4387-261D51C42175}"/>
+                <a16:creationId xmlns:a16="http://schemas.microsoft.com/office/drawing/2014/main" id="{BEDD1007-929B-3F44-347E-E8F488EB2507}"/>
               </a:ext>
             </a:extLst>
           </p:cNvPr>
@@ -236,7 +236,7 @@
           <p:cNvPr id="4" name="日期占位符 3">
             <a:extLst>
               <a:ext uri="{FF2B5EF4-FFF2-40B4-BE49-F238E27FC236}">
-                <a16:creationId xmlns:a16="http://schemas.microsoft.com/office/drawing/2014/main" id="{5E5D0EE8-7010-3F2B-585A-B3EE0AA3007C}"/>
+                <a16:creationId xmlns:a16="http://schemas.microsoft.com/office/drawing/2014/main" id="{E9A77726-B078-94BA-A047-D2D54D906DDE}"/>
               </a:ext>
             </a:extLst>
           </p:cNvPr>
@@ -252,7 +252,7 @@
           <a:bodyPr/>
           <a:lstStyle/>
           <a:p>
-            <a:fld id="{4FAED2E2-F926-434D-9F48-4DAF98FAF1B2}" type="datetimeFigureOut">
+            <a:fld id="{B6E97D8C-CABC-4AE1-B438-1C609154DDBD}" type="datetimeFigureOut">
               <a:rPr lang="zh-CN" altLang="en-US" smtClean="0"/>
               <a:t>2024/3/10</a:t>
             </a:fld>
@@ -265,7 +265,7 @@
           <p:cNvPr id="5" name="页脚占位符 4">
             <a:extLst>
               <a:ext uri="{FF2B5EF4-FFF2-40B4-BE49-F238E27FC236}">
-                <a16:creationId xmlns:a16="http://schemas.microsoft.com/office/drawing/2014/main" id="{B04816E7-CAD3-08CE-4482-B4F6D26FDC84}"/>
+                <a16:creationId xmlns:a16="http://schemas.microsoft.com/office/drawing/2014/main" id="{FA26EF75-ED91-31FD-F914-CB527706BEE4}"/>
               </a:ext>
             </a:extLst>
           </p:cNvPr>
@@ -290,7 +290,7 @@
           <p:cNvPr id="6" name="灯片编号占位符 5">
             <a:extLst>
               <a:ext uri="{FF2B5EF4-FFF2-40B4-BE49-F238E27FC236}">
-                <a16:creationId xmlns:a16="http://schemas.microsoft.com/office/drawing/2014/main" id="{44D47FAC-A3E3-56E7-4C88-136DD198F36A}"/>
+                <a16:creationId xmlns:a16="http://schemas.microsoft.com/office/drawing/2014/main" id="{11CACBB1-089B-A6C8-C663-052648D7E910}"/>
               </a:ext>
             </a:extLst>
           </p:cNvPr>
@@ -306,7 +306,7 @@
           <a:bodyPr/>
           <a:lstStyle/>
           <a:p>
-            <a:fld id="{C708335B-6A8C-4E77-BFC4-E832203F6244}" type="slidenum">
+            <a:fld id="{D225FAAF-CC4A-44D3-B791-0504D18DEE17}" type="slidenum">
               <a:rPr lang="zh-CN" altLang="en-US" smtClean="0"/>
               <a:t>‹#›</a:t>
             </a:fld>
@@ -317,7 +317,7 @@
     </p:spTree>
     <p:extLst>
       <p:ext uri="{BB962C8B-B14F-4D97-AF65-F5344CB8AC3E}">
-        <p14:creationId xmlns:p14="http://schemas.microsoft.com/office/powerpoint/2010/main" val="161652923"/>
+        <p14:creationId xmlns:p14="http://schemas.microsoft.com/office/powerpoint/2010/main" val="1619945930"/>
       </p:ext>
     </p:extLst>
   </p:cSld>
@@ -349,7 +349,7 @@
           <p:cNvPr id="2" name="标题 1">
             <a:extLst>
               <a:ext uri="{FF2B5EF4-FFF2-40B4-BE49-F238E27FC236}">
-                <a16:creationId xmlns:a16="http://schemas.microsoft.com/office/drawing/2014/main" id="{B58E1ED2-A169-F4EA-755C-10DF7C595F3A}"/>
+                <a16:creationId xmlns:a16="http://schemas.microsoft.com/office/drawing/2014/main" id="{0BBF3778-287A-D504-7476-6B693FFA5854}"/>
               </a:ext>
             </a:extLst>
           </p:cNvPr>
@@ -377,7 +377,7 @@
           <p:cNvPr id="3" name="竖排文字占位符 2">
             <a:extLst>
               <a:ext uri="{FF2B5EF4-FFF2-40B4-BE49-F238E27FC236}">
-                <a16:creationId xmlns:a16="http://schemas.microsoft.com/office/drawing/2014/main" id="{CDCCC6E5-A199-AE10-227E-CCDB70F04399}"/>
+                <a16:creationId xmlns:a16="http://schemas.microsoft.com/office/drawing/2014/main" id="{0C9D0E20-7121-58DC-448C-5EF19D59BC7D}"/>
               </a:ext>
             </a:extLst>
           </p:cNvPr>
@@ -434,7 +434,7 @@
           <p:cNvPr id="4" name="日期占位符 3">
             <a:extLst>
               <a:ext uri="{FF2B5EF4-FFF2-40B4-BE49-F238E27FC236}">
-                <a16:creationId xmlns:a16="http://schemas.microsoft.com/office/drawing/2014/main" id="{679D1BF0-6B70-70AB-11D3-249BB3E72DD0}"/>
+                <a16:creationId xmlns:a16="http://schemas.microsoft.com/office/drawing/2014/main" id="{3B2D3199-0E3B-81CE-316A-C3B6F8643303}"/>
               </a:ext>
             </a:extLst>
           </p:cNvPr>
@@ -450,7 +450,7 @@
           <a:bodyPr/>
           <a:lstStyle/>
           <a:p>
-            <a:fld id="{4FAED2E2-F926-434D-9F48-4DAF98FAF1B2}" type="datetimeFigureOut">
+            <a:fld id="{B6E97D8C-CABC-4AE1-B438-1C609154DDBD}" type="datetimeFigureOut">
               <a:rPr lang="zh-CN" altLang="en-US" smtClean="0"/>
               <a:t>2024/3/10</a:t>
             </a:fld>
@@ -463,7 +463,7 @@
           <p:cNvPr id="5" name="页脚占位符 4">
             <a:extLst>
               <a:ext uri="{FF2B5EF4-FFF2-40B4-BE49-F238E27FC236}">
-                <a16:creationId xmlns:a16="http://schemas.microsoft.com/office/drawing/2014/main" id="{1782D62E-70FA-D76E-E963-3A695B24A461}"/>
+                <a16:creationId xmlns:a16="http://schemas.microsoft.com/office/drawing/2014/main" id="{3188F650-7CC0-EE57-C1AD-21872B67E077}"/>
               </a:ext>
             </a:extLst>
           </p:cNvPr>
@@ -488,7 +488,7 @@
           <p:cNvPr id="6" name="灯片编号占位符 5">
             <a:extLst>
               <a:ext uri="{FF2B5EF4-FFF2-40B4-BE49-F238E27FC236}">
-                <a16:creationId xmlns:a16="http://schemas.microsoft.com/office/drawing/2014/main" id="{15F2D4C0-99CC-61B1-CEC9-87ACC86C47AB}"/>
+                <a16:creationId xmlns:a16="http://schemas.microsoft.com/office/drawing/2014/main" id="{1731110D-E794-437A-2A81-E721DA214464}"/>
               </a:ext>
             </a:extLst>
           </p:cNvPr>
@@ -504,7 +504,7 @@
           <a:bodyPr/>
           <a:lstStyle/>
           <a:p>
-            <a:fld id="{C708335B-6A8C-4E77-BFC4-E832203F6244}" type="slidenum">
+            <a:fld id="{D225FAAF-CC4A-44D3-B791-0504D18DEE17}" type="slidenum">
               <a:rPr lang="zh-CN" altLang="en-US" smtClean="0"/>
               <a:t>‹#›</a:t>
             </a:fld>
@@ -515,7 +515,7 @@
     </p:spTree>
     <p:extLst>
       <p:ext uri="{BB962C8B-B14F-4D97-AF65-F5344CB8AC3E}">
-        <p14:creationId xmlns:p14="http://schemas.microsoft.com/office/powerpoint/2010/main" val="1661414618"/>
+        <p14:creationId xmlns:p14="http://schemas.microsoft.com/office/powerpoint/2010/main" val="463363261"/>
       </p:ext>
     </p:extLst>
   </p:cSld>
@@ -547,7 +547,7 @@
           <p:cNvPr id="2" name="竖排标题 1">
             <a:extLst>
               <a:ext uri="{FF2B5EF4-FFF2-40B4-BE49-F238E27FC236}">
-                <a16:creationId xmlns:a16="http://schemas.microsoft.com/office/drawing/2014/main" id="{DC07355D-8CDF-CFEB-4EC6-E0DEAB068DE5}"/>
+                <a16:creationId xmlns:a16="http://schemas.microsoft.com/office/drawing/2014/main" id="{16FD28CD-1F6D-1445-40FE-2922531B1A90}"/>
               </a:ext>
             </a:extLst>
           </p:cNvPr>
@@ -580,7 +580,7 @@
           <p:cNvPr id="3" name="竖排文字占位符 2">
             <a:extLst>
               <a:ext uri="{FF2B5EF4-FFF2-40B4-BE49-F238E27FC236}">
-                <a16:creationId xmlns:a16="http://schemas.microsoft.com/office/drawing/2014/main" id="{954A9443-A372-9E98-D75F-264226032BF0}"/>
+                <a16:creationId xmlns:a16="http://schemas.microsoft.com/office/drawing/2014/main" id="{3696934D-9AC3-5851-C5B2-F63EF6DAE587}"/>
               </a:ext>
             </a:extLst>
           </p:cNvPr>
@@ -642,7 +642,7 @@
           <p:cNvPr id="4" name="日期占位符 3">
             <a:extLst>
               <a:ext uri="{FF2B5EF4-FFF2-40B4-BE49-F238E27FC236}">
-                <a16:creationId xmlns:a16="http://schemas.microsoft.com/office/drawing/2014/main" id="{70BC7C2C-74D2-1889-02F4-B5B2DBEFE2E5}"/>
+                <a16:creationId xmlns:a16="http://schemas.microsoft.com/office/drawing/2014/main" id="{A192170B-8ADB-7EE2-F0BE-BDB15DCDBC13}"/>
               </a:ext>
             </a:extLst>
           </p:cNvPr>
@@ -658,7 +658,7 @@
           <a:bodyPr/>
           <a:lstStyle/>
           <a:p>
-            <a:fld id="{4FAED2E2-F926-434D-9F48-4DAF98FAF1B2}" type="datetimeFigureOut">
+            <a:fld id="{B6E97D8C-CABC-4AE1-B438-1C609154DDBD}" type="datetimeFigureOut">
               <a:rPr lang="zh-CN" altLang="en-US" smtClean="0"/>
               <a:t>2024/3/10</a:t>
             </a:fld>
@@ -671,7 +671,7 @@
           <p:cNvPr id="5" name="页脚占位符 4">
             <a:extLst>
               <a:ext uri="{FF2B5EF4-FFF2-40B4-BE49-F238E27FC236}">
-                <a16:creationId xmlns:a16="http://schemas.microsoft.com/office/drawing/2014/main" id="{87503603-4F00-3030-94E2-A46F3D510F3F}"/>
+                <a16:creationId xmlns:a16="http://schemas.microsoft.com/office/drawing/2014/main" id="{68513E89-996B-889E-7BFE-7C7FA264DFA0}"/>
               </a:ext>
             </a:extLst>
           </p:cNvPr>
@@ -696,7 +696,7 @@
           <p:cNvPr id="6" name="灯片编号占位符 5">
             <a:extLst>
               <a:ext uri="{FF2B5EF4-FFF2-40B4-BE49-F238E27FC236}">
-                <a16:creationId xmlns:a16="http://schemas.microsoft.com/office/drawing/2014/main" id="{DD1CA7A5-C173-C864-A2E4-9CC34412DABA}"/>
+                <a16:creationId xmlns:a16="http://schemas.microsoft.com/office/drawing/2014/main" id="{A16D605F-9E6F-0F94-568E-FBE52F6567E9}"/>
               </a:ext>
             </a:extLst>
           </p:cNvPr>
@@ -712,7 +712,7 @@
           <a:bodyPr/>
           <a:lstStyle/>
           <a:p>
-            <a:fld id="{C708335B-6A8C-4E77-BFC4-E832203F6244}" type="slidenum">
+            <a:fld id="{D225FAAF-CC4A-44D3-B791-0504D18DEE17}" type="slidenum">
               <a:rPr lang="zh-CN" altLang="en-US" smtClean="0"/>
               <a:t>‹#›</a:t>
             </a:fld>
@@ -723,7 +723,7 @@
     </p:spTree>
     <p:extLst>
       <p:ext uri="{BB962C8B-B14F-4D97-AF65-F5344CB8AC3E}">
-        <p14:creationId xmlns:p14="http://schemas.microsoft.com/office/powerpoint/2010/main" val="1867828882"/>
+        <p14:creationId xmlns:p14="http://schemas.microsoft.com/office/powerpoint/2010/main" val="2687914725"/>
       </p:ext>
     </p:extLst>
   </p:cSld>
@@ -755,7 +755,7 @@
           <p:cNvPr id="2" name="标题 1">
             <a:extLst>
               <a:ext uri="{FF2B5EF4-FFF2-40B4-BE49-F238E27FC236}">
-                <a16:creationId xmlns:a16="http://schemas.microsoft.com/office/drawing/2014/main" id="{03310634-EF17-0138-52C7-5D79F2C47433}"/>
+                <a16:creationId xmlns:a16="http://schemas.microsoft.com/office/drawing/2014/main" id="{26B56069-1E45-D08E-9EBA-6FB8E4B07AFF}"/>
               </a:ext>
             </a:extLst>
           </p:cNvPr>
@@ -783,7 +783,7 @@
           <p:cNvPr id="3" name="内容占位符 2">
             <a:extLst>
               <a:ext uri="{FF2B5EF4-FFF2-40B4-BE49-F238E27FC236}">
-                <a16:creationId xmlns:a16="http://schemas.microsoft.com/office/drawing/2014/main" id="{B6305301-DA75-F1D9-1FE3-30EBD3ADE5F3}"/>
+                <a16:creationId xmlns:a16="http://schemas.microsoft.com/office/drawing/2014/main" id="{F3D639AC-9896-BC96-59C6-CFC30C82FFD1}"/>
               </a:ext>
             </a:extLst>
           </p:cNvPr>
@@ -840,7 +840,7 @@
           <p:cNvPr id="4" name="日期占位符 3">
             <a:extLst>
               <a:ext uri="{FF2B5EF4-FFF2-40B4-BE49-F238E27FC236}">
-                <a16:creationId xmlns:a16="http://schemas.microsoft.com/office/drawing/2014/main" id="{A1230211-F108-FD9E-E3FC-926378CA9410}"/>
+                <a16:creationId xmlns:a16="http://schemas.microsoft.com/office/drawing/2014/main" id="{149FA229-33A5-DA57-7B04-B625729B8A85}"/>
               </a:ext>
             </a:extLst>
           </p:cNvPr>
@@ -856,7 +856,7 @@
           <a:bodyPr/>
           <a:lstStyle/>
           <a:p>
-            <a:fld id="{4FAED2E2-F926-434D-9F48-4DAF98FAF1B2}" type="datetimeFigureOut">
+            <a:fld id="{B6E97D8C-CABC-4AE1-B438-1C609154DDBD}" type="datetimeFigureOut">
               <a:rPr lang="zh-CN" altLang="en-US" smtClean="0"/>
               <a:t>2024/3/10</a:t>
             </a:fld>
@@ -869,7 +869,7 @@
           <p:cNvPr id="5" name="页脚占位符 4">
             <a:extLst>
               <a:ext uri="{FF2B5EF4-FFF2-40B4-BE49-F238E27FC236}">
-                <a16:creationId xmlns:a16="http://schemas.microsoft.com/office/drawing/2014/main" id="{E6ECB578-2086-1078-BC85-EBBD6D7B4750}"/>
+                <a16:creationId xmlns:a16="http://schemas.microsoft.com/office/drawing/2014/main" id="{62F02C57-B7C5-B45E-5B7E-CFE7806C2EE2}"/>
               </a:ext>
             </a:extLst>
           </p:cNvPr>
@@ -894,7 +894,7 @@
           <p:cNvPr id="6" name="灯片编号占位符 5">
             <a:extLst>
               <a:ext uri="{FF2B5EF4-FFF2-40B4-BE49-F238E27FC236}">
-                <a16:creationId xmlns:a16="http://schemas.microsoft.com/office/drawing/2014/main" id="{7C4C7ED7-B485-E5A6-44EE-4E48314DECD9}"/>
+                <a16:creationId xmlns:a16="http://schemas.microsoft.com/office/drawing/2014/main" id="{EB33D514-13D3-87C3-FC4D-EF51150D68B6}"/>
               </a:ext>
             </a:extLst>
           </p:cNvPr>
@@ -910,7 +910,7 @@
           <a:bodyPr/>
           <a:lstStyle/>
           <a:p>
-            <a:fld id="{C708335B-6A8C-4E77-BFC4-E832203F6244}" type="slidenum">
+            <a:fld id="{D225FAAF-CC4A-44D3-B791-0504D18DEE17}" type="slidenum">
               <a:rPr lang="zh-CN" altLang="en-US" smtClean="0"/>
               <a:t>‹#›</a:t>
             </a:fld>
@@ -921,7 +921,7 @@
     </p:spTree>
     <p:extLst>
       <p:ext uri="{BB962C8B-B14F-4D97-AF65-F5344CB8AC3E}">
-        <p14:creationId xmlns:p14="http://schemas.microsoft.com/office/powerpoint/2010/main" val="2348946592"/>
+        <p14:creationId xmlns:p14="http://schemas.microsoft.com/office/powerpoint/2010/main" val="2562496432"/>
       </p:ext>
     </p:extLst>
   </p:cSld>
@@ -953,7 +953,7 @@
           <p:cNvPr id="2" name="标题 1">
             <a:extLst>
               <a:ext uri="{FF2B5EF4-FFF2-40B4-BE49-F238E27FC236}">
-                <a16:creationId xmlns:a16="http://schemas.microsoft.com/office/drawing/2014/main" id="{41C0071F-3598-9BF8-102E-B4203CB553BC}"/>
+                <a16:creationId xmlns:a16="http://schemas.microsoft.com/office/drawing/2014/main" id="{225164C7-88B1-1F48-EA9B-03518934A691}"/>
               </a:ext>
             </a:extLst>
           </p:cNvPr>
@@ -990,7 +990,7 @@
           <p:cNvPr id="3" name="文本占位符 2">
             <a:extLst>
               <a:ext uri="{FF2B5EF4-FFF2-40B4-BE49-F238E27FC236}">
-                <a16:creationId xmlns:a16="http://schemas.microsoft.com/office/drawing/2014/main" id="{0972371F-5C96-210A-2C15-809F2C6579F5}"/>
+                <a16:creationId xmlns:a16="http://schemas.microsoft.com/office/drawing/2014/main" id="{773D9B9D-7F8D-C463-26DC-9E3BDE65E8D3}"/>
               </a:ext>
             </a:extLst>
           </p:cNvPr>
@@ -1115,7 +1115,7 @@
           <p:cNvPr id="4" name="日期占位符 3">
             <a:extLst>
               <a:ext uri="{FF2B5EF4-FFF2-40B4-BE49-F238E27FC236}">
-                <a16:creationId xmlns:a16="http://schemas.microsoft.com/office/drawing/2014/main" id="{83C4CAE5-D050-206F-6A8E-B23607A7F685}"/>
+                <a16:creationId xmlns:a16="http://schemas.microsoft.com/office/drawing/2014/main" id="{1D1B7E09-FCA3-AAD4-67FD-C76417B32720}"/>
               </a:ext>
             </a:extLst>
           </p:cNvPr>
@@ -1131,7 +1131,7 @@
           <a:bodyPr/>
           <a:lstStyle/>
           <a:p>
-            <a:fld id="{4FAED2E2-F926-434D-9F48-4DAF98FAF1B2}" type="datetimeFigureOut">
+            <a:fld id="{B6E97D8C-CABC-4AE1-B438-1C609154DDBD}" type="datetimeFigureOut">
               <a:rPr lang="zh-CN" altLang="en-US" smtClean="0"/>
               <a:t>2024/3/10</a:t>
             </a:fld>
@@ -1144,7 +1144,7 @@
           <p:cNvPr id="5" name="页脚占位符 4">
             <a:extLst>
               <a:ext uri="{FF2B5EF4-FFF2-40B4-BE49-F238E27FC236}">
-                <a16:creationId xmlns:a16="http://schemas.microsoft.com/office/drawing/2014/main" id="{E016F048-D351-61B9-87E6-7AB5F906A8B8}"/>
+                <a16:creationId xmlns:a16="http://schemas.microsoft.com/office/drawing/2014/main" id="{CA64CC64-9253-C2EC-CC01-4105B7A4E952}"/>
               </a:ext>
             </a:extLst>
           </p:cNvPr>
@@ -1169,7 +1169,7 @@
           <p:cNvPr id="6" name="灯片编号占位符 5">
             <a:extLst>
               <a:ext uri="{FF2B5EF4-FFF2-40B4-BE49-F238E27FC236}">
-                <a16:creationId xmlns:a16="http://schemas.microsoft.com/office/drawing/2014/main" id="{395D61D8-F080-37DC-4667-52634F65371F}"/>
+                <a16:creationId xmlns:a16="http://schemas.microsoft.com/office/drawing/2014/main" id="{A7AE0C07-3596-5B5B-F3D4-25C1B368B79F}"/>
               </a:ext>
             </a:extLst>
           </p:cNvPr>
@@ -1185,7 +1185,7 @@
           <a:bodyPr/>
           <a:lstStyle/>
           <a:p>
-            <a:fld id="{C708335B-6A8C-4E77-BFC4-E832203F6244}" type="slidenum">
+            <a:fld id="{D225FAAF-CC4A-44D3-B791-0504D18DEE17}" type="slidenum">
               <a:rPr lang="zh-CN" altLang="en-US" smtClean="0"/>
               <a:t>‹#›</a:t>
             </a:fld>
@@ -1196,7 +1196,7 @@
     </p:spTree>
     <p:extLst>
       <p:ext uri="{BB962C8B-B14F-4D97-AF65-F5344CB8AC3E}">
-        <p14:creationId xmlns:p14="http://schemas.microsoft.com/office/powerpoint/2010/main" val="689617803"/>
+        <p14:creationId xmlns:p14="http://schemas.microsoft.com/office/powerpoint/2010/main" val="4130785609"/>
       </p:ext>
     </p:extLst>
   </p:cSld>
@@ -1228,7 +1228,7 @@
           <p:cNvPr id="2" name="标题 1">
             <a:extLst>
               <a:ext uri="{FF2B5EF4-FFF2-40B4-BE49-F238E27FC236}">
-                <a16:creationId xmlns:a16="http://schemas.microsoft.com/office/drawing/2014/main" id="{2D720345-AE71-D87F-3108-9986C8E4C724}"/>
+                <a16:creationId xmlns:a16="http://schemas.microsoft.com/office/drawing/2014/main" id="{A50203B6-F471-E0BA-0294-949FB5EF6C04}"/>
               </a:ext>
             </a:extLst>
           </p:cNvPr>
@@ -1256,7 +1256,7 @@
           <p:cNvPr id="3" name="内容占位符 2">
             <a:extLst>
               <a:ext uri="{FF2B5EF4-FFF2-40B4-BE49-F238E27FC236}">
-                <a16:creationId xmlns:a16="http://schemas.microsoft.com/office/drawing/2014/main" id="{7B057187-CCC0-4A4D-573C-B9B76A2D7982}"/>
+                <a16:creationId xmlns:a16="http://schemas.microsoft.com/office/drawing/2014/main" id="{E6A30A3F-C5A2-5AC2-185B-96D6BBA3A234}"/>
               </a:ext>
             </a:extLst>
           </p:cNvPr>
@@ -1318,7 +1318,7 @@
           <p:cNvPr id="4" name="内容占位符 3">
             <a:extLst>
               <a:ext uri="{FF2B5EF4-FFF2-40B4-BE49-F238E27FC236}">
-                <a16:creationId xmlns:a16="http://schemas.microsoft.com/office/drawing/2014/main" id="{2489CDD2-55F4-A2A2-87E9-CA78ABDA4790}"/>
+                <a16:creationId xmlns:a16="http://schemas.microsoft.com/office/drawing/2014/main" id="{3CEC012B-7D50-CE5F-481B-147199F5AE22}"/>
               </a:ext>
             </a:extLst>
           </p:cNvPr>
@@ -1380,7 +1380,7 @@
           <p:cNvPr id="5" name="日期占位符 4">
             <a:extLst>
               <a:ext uri="{FF2B5EF4-FFF2-40B4-BE49-F238E27FC236}">
-                <a16:creationId xmlns:a16="http://schemas.microsoft.com/office/drawing/2014/main" id="{BED27044-4588-EFF2-913C-B7CAC80284AC}"/>
+                <a16:creationId xmlns:a16="http://schemas.microsoft.com/office/drawing/2014/main" id="{F36882E8-13C2-F2FB-426F-C620051B6229}"/>
               </a:ext>
             </a:extLst>
           </p:cNvPr>
@@ -1396,7 +1396,7 @@
           <a:bodyPr/>
           <a:lstStyle/>
           <a:p>
-            <a:fld id="{4FAED2E2-F926-434D-9F48-4DAF98FAF1B2}" type="datetimeFigureOut">
+            <a:fld id="{B6E97D8C-CABC-4AE1-B438-1C609154DDBD}" type="datetimeFigureOut">
               <a:rPr lang="zh-CN" altLang="en-US" smtClean="0"/>
               <a:t>2024/3/10</a:t>
             </a:fld>
@@ -1409,7 +1409,7 @@
           <p:cNvPr id="6" name="页脚占位符 5">
             <a:extLst>
               <a:ext uri="{FF2B5EF4-FFF2-40B4-BE49-F238E27FC236}">
-                <a16:creationId xmlns:a16="http://schemas.microsoft.com/office/drawing/2014/main" id="{86FA9263-48CE-6336-184F-55D5ABD826A0}"/>
+                <a16:creationId xmlns:a16="http://schemas.microsoft.com/office/drawing/2014/main" id="{28625D6D-565A-AB0B-DF67-CF4060BFD1FF}"/>
               </a:ext>
             </a:extLst>
           </p:cNvPr>
@@ -1434,7 +1434,7 @@
           <p:cNvPr id="7" name="灯片编号占位符 6">
             <a:extLst>
               <a:ext uri="{FF2B5EF4-FFF2-40B4-BE49-F238E27FC236}">
-                <a16:creationId xmlns:a16="http://schemas.microsoft.com/office/drawing/2014/main" id="{E24B1ADC-921F-CA6C-BD3C-F5153114E62D}"/>
+                <a16:creationId xmlns:a16="http://schemas.microsoft.com/office/drawing/2014/main" id="{5CA78C75-5216-C6D1-0C60-15D580793B5F}"/>
               </a:ext>
             </a:extLst>
           </p:cNvPr>
@@ -1450,7 +1450,7 @@
           <a:bodyPr/>
           <a:lstStyle/>
           <a:p>
-            <a:fld id="{C708335B-6A8C-4E77-BFC4-E832203F6244}" type="slidenum">
+            <a:fld id="{D225FAAF-CC4A-44D3-B791-0504D18DEE17}" type="slidenum">
               <a:rPr lang="zh-CN" altLang="en-US" smtClean="0"/>
               <a:t>‹#›</a:t>
             </a:fld>
@@ -1461,7 +1461,7 @@
     </p:spTree>
     <p:extLst>
       <p:ext uri="{BB962C8B-B14F-4D97-AF65-F5344CB8AC3E}">
-        <p14:creationId xmlns:p14="http://schemas.microsoft.com/office/powerpoint/2010/main" val="1901841858"/>
+        <p14:creationId xmlns:p14="http://schemas.microsoft.com/office/powerpoint/2010/main" val="2881692585"/>
       </p:ext>
     </p:extLst>
   </p:cSld>
@@ -1493,7 +1493,7 @@
           <p:cNvPr id="2" name="标题 1">
             <a:extLst>
               <a:ext uri="{FF2B5EF4-FFF2-40B4-BE49-F238E27FC236}">
-                <a16:creationId xmlns:a16="http://schemas.microsoft.com/office/drawing/2014/main" id="{E8C28666-A07B-746F-CDB6-59023957F085}"/>
+                <a16:creationId xmlns:a16="http://schemas.microsoft.com/office/drawing/2014/main" id="{D9C20F69-32D3-A63F-0A8A-ABFB094E8218}"/>
               </a:ext>
             </a:extLst>
           </p:cNvPr>
@@ -1526,7 +1526,7 @@
           <p:cNvPr id="3" name="文本占位符 2">
             <a:extLst>
               <a:ext uri="{FF2B5EF4-FFF2-40B4-BE49-F238E27FC236}">
-                <a16:creationId xmlns:a16="http://schemas.microsoft.com/office/drawing/2014/main" id="{6A836C77-979B-66D4-7192-D6EF749E5506}"/>
+                <a16:creationId xmlns:a16="http://schemas.microsoft.com/office/drawing/2014/main" id="{737C364C-19CA-A473-543A-EF992F338F44}"/>
               </a:ext>
             </a:extLst>
           </p:cNvPr>
@@ -1597,7 +1597,7 @@
           <p:cNvPr id="4" name="内容占位符 3">
             <a:extLst>
               <a:ext uri="{FF2B5EF4-FFF2-40B4-BE49-F238E27FC236}">
-                <a16:creationId xmlns:a16="http://schemas.microsoft.com/office/drawing/2014/main" id="{34BD7B64-E497-9EFD-C076-4F3C4BC67FBE}"/>
+                <a16:creationId xmlns:a16="http://schemas.microsoft.com/office/drawing/2014/main" id="{EEBF5CBB-E77C-1212-6E86-1FA84B30EE79}"/>
               </a:ext>
             </a:extLst>
           </p:cNvPr>
@@ -1659,7 +1659,7 @@
           <p:cNvPr id="5" name="文本占位符 4">
             <a:extLst>
               <a:ext uri="{FF2B5EF4-FFF2-40B4-BE49-F238E27FC236}">
-                <a16:creationId xmlns:a16="http://schemas.microsoft.com/office/drawing/2014/main" id="{5CE6859B-80AB-F4E2-C938-D06C56EA1A93}"/>
+                <a16:creationId xmlns:a16="http://schemas.microsoft.com/office/drawing/2014/main" id="{709FB056-3C6A-36D7-9C1D-B38E82C2E127}"/>
               </a:ext>
             </a:extLst>
           </p:cNvPr>
@@ -1730,7 +1730,7 @@
           <p:cNvPr id="6" name="内容占位符 5">
             <a:extLst>
               <a:ext uri="{FF2B5EF4-FFF2-40B4-BE49-F238E27FC236}">
-                <a16:creationId xmlns:a16="http://schemas.microsoft.com/office/drawing/2014/main" id="{EE98054B-1519-588A-7BED-EBD41A2A20A0}"/>
+                <a16:creationId xmlns:a16="http://schemas.microsoft.com/office/drawing/2014/main" id="{A9940B49-8E11-0C2A-E61E-4A850A28EFB0}"/>
               </a:ext>
             </a:extLst>
           </p:cNvPr>
@@ -1792,7 +1792,7 @@
           <p:cNvPr id="7" name="日期占位符 6">
             <a:extLst>
               <a:ext uri="{FF2B5EF4-FFF2-40B4-BE49-F238E27FC236}">
-                <a16:creationId xmlns:a16="http://schemas.microsoft.com/office/drawing/2014/main" id="{33BB410A-B50A-7B71-ABFB-FC1A15B80635}"/>
+                <a16:creationId xmlns:a16="http://schemas.microsoft.com/office/drawing/2014/main" id="{3695D776-DAF6-21AB-57B9-E2509195A182}"/>
               </a:ext>
             </a:extLst>
           </p:cNvPr>
@@ -1808,7 +1808,7 @@
           <a:bodyPr/>
           <a:lstStyle/>
           <a:p>
-            <a:fld id="{4FAED2E2-F926-434D-9F48-4DAF98FAF1B2}" type="datetimeFigureOut">
+            <a:fld id="{B6E97D8C-CABC-4AE1-B438-1C609154DDBD}" type="datetimeFigureOut">
               <a:rPr lang="zh-CN" altLang="en-US" smtClean="0"/>
               <a:t>2024/3/10</a:t>
             </a:fld>
@@ -1821,7 +1821,7 @@
           <p:cNvPr id="8" name="页脚占位符 7">
             <a:extLst>
               <a:ext uri="{FF2B5EF4-FFF2-40B4-BE49-F238E27FC236}">
-                <a16:creationId xmlns:a16="http://schemas.microsoft.com/office/drawing/2014/main" id="{9FABB490-DE0B-89B4-72D1-C49004442DC5}"/>
+                <a16:creationId xmlns:a16="http://schemas.microsoft.com/office/drawing/2014/main" id="{B7218F5B-314F-FCEA-136E-99773648974C}"/>
               </a:ext>
             </a:extLst>
           </p:cNvPr>
@@ -1846,7 +1846,7 @@
           <p:cNvPr id="9" name="灯片编号占位符 8">
             <a:extLst>
               <a:ext uri="{FF2B5EF4-FFF2-40B4-BE49-F238E27FC236}">
-                <a16:creationId xmlns:a16="http://schemas.microsoft.com/office/drawing/2014/main" id="{0DFDA410-9F06-6451-4849-E7A1F0C4C432}"/>
+                <a16:creationId xmlns:a16="http://schemas.microsoft.com/office/drawing/2014/main" id="{7E8D4F01-9952-22A1-8201-989343FE1C76}"/>
               </a:ext>
             </a:extLst>
           </p:cNvPr>
@@ -1862,7 +1862,7 @@
           <a:bodyPr/>
           <a:lstStyle/>
           <a:p>
-            <a:fld id="{C708335B-6A8C-4E77-BFC4-E832203F6244}" type="slidenum">
+            <a:fld id="{D225FAAF-CC4A-44D3-B791-0504D18DEE17}" type="slidenum">
               <a:rPr lang="zh-CN" altLang="en-US" smtClean="0"/>
               <a:t>‹#›</a:t>
             </a:fld>
@@ -1873,7 +1873,7 @@
     </p:spTree>
     <p:extLst>
       <p:ext uri="{BB962C8B-B14F-4D97-AF65-F5344CB8AC3E}">
-        <p14:creationId xmlns:p14="http://schemas.microsoft.com/office/powerpoint/2010/main" val="3837885915"/>
+        <p14:creationId xmlns:p14="http://schemas.microsoft.com/office/powerpoint/2010/main" val="3029557685"/>
       </p:ext>
     </p:extLst>
   </p:cSld>
@@ -1905,7 +1905,7 @@
           <p:cNvPr id="2" name="标题 1">
             <a:extLst>
               <a:ext uri="{FF2B5EF4-FFF2-40B4-BE49-F238E27FC236}">
-                <a16:creationId xmlns:a16="http://schemas.microsoft.com/office/drawing/2014/main" id="{3CCA8A00-4A7F-2BDE-7299-2B13D26CA5C3}"/>
+                <a16:creationId xmlns:a16="http://schemas.microsoft.com/office/drawing/2014/main" id="{21CC90B7-675D-EFEF-99D5-FC73891483DD}"/>
               </a:ext>
             </a:extLst>
           </p:cNvPr>
@@ -1933,7 +1933,7 @@
           <p:cNvPr id="3" name="日期占位符 2">
             <a:extLst>
               <a:ext uri="{FF2B5EF4-FFF2-40B4-BE49-F238E27FC236}">
-                <a16:creationId xmlns:a16="http://schemas.microsoft.com/office/drawing/2014/main" id="{E152D1A2-6162-B609-BFF0-B7292D7BF2A8}"/>
+                <a16:creationId xmlns:a16="http://schemas.microsoft.com/office/drawing/2014/main" id="{79721A9D-4EC8-ECA6-52B2-B26523AEBA4C}"/>
               </a:ext>
             </a:extLst>
           </p:cNvPr>
@@ -1949,7 +1949,7 @@
           <a:bodyPr/>
           <a:lstStyle/>
           <a:p>
-            <a:fld id="{4FAED2E2-F926-434D-9F48-4DAF98FAF1B2}" type="datetimeFigureOut">
+            <a:fld id="{B6E97D8C-CABC-4AE1-B438-1C609154DDBD}" type="datetimeFigureOut">
               <a:rPr lang="zh-CN" altLang="en-US" smtClean="0"/>
               <a:t>2024/3/10</a:t>
             </a:fld>
@@ -1962,7 +1962,7 @@
           <p:cNvPr id="4" name="页脚占位符 3">
             <a:extLst>
               <a:ext uri="{FF2B5EF4-FFF2-40B4-BE49-F238E27FC236}">
-                <a16:creationId xmlns:a16="http://schemas.microsoft.com/office/drawing/2014/main" id="{24DCD72C-6F34-B860-914A-577B94A1DDC3}"/>
+                <a16:creationId xmlns:a16="http://schemas.microsoft.com/office/drawing/2014/main" id="{343C74E6-4AFC-7366-20BD-19963F602F92}"/>
               </a:ext>
             </a:extLst>
           </p:cNvPr>
@@ -1987,7 +1987,7 @@
           <p:cNvPr id="5" name="灯片编号占位符 4">
             <a:extLst>
               <a:ext uri="{FF2B5EF4-FFF2-40B4-BE49-F238E27FC236}">
-                <a16:creationId xmlns:a16="http://schemas.microsoft.com/office/drawing/2014/main" id="{DBB0687C-735B-AE09-FF17-50ED1CF896A7}"/>
+                <a16:creationId xmlns:a16="http://schemas.microsoft.com/office/drawing/2014/main" id="{6F639A6F-42D7-EABC-7B18-74138A466960}"/>
               </a:ext>
             </a:extLst>
           </p:cNvPr>
@@ -2003,7 +2003,7 @@
           <a:bodyPr/>
           <a:lstStyle/>
           <a:p>
-            <a:fld id="{C708335B-6A8C-4E77-BFC4-E832203F6244}" type="slidenum">
+            <a:fld id="{D225FAAF-CC4A-44D3-B791-0504D18DEE17}" type="slidenum">
               <a:rPr lang="zh-CN" altLang="en-US" smtClean="0"/>
               <a:t>‹#›</a:t>
             </a:fld>
@@ -2014,7 +2014,7 @@
     </p:spTree>
     <p:extLst>
       <p:ext uri="{BB962C8B-B14F-4D97-AF65-F5344CB8AC3E}">
-        <p14:creationId xmlns:p14="http://schemas.microsoft.com/office/powerpoint/2010/main" val="2611139464"/>
+        <p14:creationId xmlns:p14="http://schemas.microsoft.com/office/powerpoint/2010/main" val="763949768"/>
       </p:ext>
     </p:extLst>
   </p:cSld>
@@ -2046,7 +2046,7 @@
           <p:cNvPr id="2" name="日期占位符 1">
             <a:extLst>
               <a:ext uri="{FF2B5EF4-FFF2-40B4-BE49-F238E27FC236}">
-                <a16:creationId xmlns:a16="http://schemas.microsoft.com/office/drawing/2014/main" id="{E903CAD3-6CBA-308E-BB45-0D2C077698CF}"/>
+                <a16:creationId xmlns:a16="http://schemas.microsoft.com/office/drawing/2014/main" id="{9299729E-75D2-EC9F-AE7D-683EDAF7B522}"/>
               </a:ext>
             </a:extLst>
           </p:cNvPr>
@@ -2062,7 +2062,7 @@
           <a:bodyPr/>
           <a:lstStyle/>
           <a:p>
-            <a:fld id="{4FAED2E2-F926-434D-9F48-4DAF98FAF1B2}" type="datetimeFigureOut">
+            <a:fld id="{B6E97D8C-CABC-4AE1-B438-1C609154DDBD}" type="datetimeFigureOut">
               <a:rPr lang="zh-CN" altLang="en-US" smtClean="0"/>
               <a:t>2024/3/10</a:t>
             </a:fld>
@@ -2075,7 +2075,7 @@
           <p:cNvPr id="3" name="页脚占位符 2">
             <a:extLst>
               <a:ext uri="{FF2B5EF4-FFF2-40B4-BE49-F238E27FC236}">
-                <a16:creationId xmlns:a16="http://schemas.microsoft.com/office/drawing/2014/main" id="{FCAB4D08-D592-06C4-978F-148EE023C9F9}"/>
+                <a16:creationId xmlns:a16="http://schemas.microsoft.com/office/drawing/2014/main" id="{76EA4C9C-8BE3-6043-8A1A-EA54276F5DA0}"/>
               </a:ext>
             </a:extLst>
           </p:cNvPr>
@@ -2100,7 +2100,7 @@
           <p:cNvPr id="4" name="灯片编号占位符 3">
             <a:extLst>
               <a:ext uri="{FF2B5EF4-FFF2-40B4-BE49-F238E27FC236}">
-                <a16:creationId xmlns:a16="http://schemas.microsoft.com/office/drawing/2014/main" id="{DA873F9D-15C8-5D05-4B16-94C0E3C4CD10}"/>
+                <a16:creationId xmlns:a16="http://schemas.microsoft.com/office/drawing/2014/main" id="{45CB0245-1621-8973-9D18-BD9124BA2D0E}"/>
               </a:ext>
             </a:extLst>
           </p:cNvPr>
@@ -2116,7 +2116,7 @@
           <a:bodyPr/>
           <a:lstStyle/>
           <a:p>
-            <a:fld id="{C708335B-6A8C-4E77-BFC4-E832203F6244}" type="slidenum">
+            <a:fld id="{D225FAAF-CC4A-44D3-B791-0504D18DEE17}" type="slidenum">
               <a:rPr lang="zh-CN" altLang="en-US" smtClean="0"/>
               <a:t>‹#›</a:t>
             </a:fld>
@@ -2127,7 +2127,7 @@
     </p:spTree>
     <p:extLst>
       <p:ext uri="{BB962C8B-B14F-4D97-AF65-F5344CB8AC3E}">
-        <p14:creationId xmlns:p14="http://schemas.microsoft.com/office/powerpoint/2010/main" val="228935465"/>
+        <p14:creationId xmlns:p14="http://schemas.microsoft.com/office/powerpoint/2010/main" val="677823063"/>
       </p:ext>
     </p:extLst>
   </p:cSld>
@@ -2159,7 +2159,7 @@
           <p:cNvPr id="2" name="标题 1">
             <a:extLst>
               <a:ext uri="{FF2B5EF4-FFF2-40B4-BE49-F238E27FC236}">
-                <a16:creationId xmlns:a16="http://schemas.microsoft.com/office/drawing/2014/main" id="{331D2250-1E15-21C8-A5A5-D2D90FE313A4}"/>
+                <a16:creationId xmlns:a16="http://schemas.microsoft.com/office/drawing/2014/main" id="{A0B9CB39-D13E-0530-AA49-AA07DBD8E0D4}"/>
               </a:ext>
             </a:extLst>
           </p:cNvPr>
@@ -2196,7 +2196,7 @@
           <p:cNvPr id="3" name="内容占位符 2">
             <a:extLst>
               <a:ext uri="{FF2B5EF4-FFF2-40B4-BE49-F238E27FC236}">
-                <a16:creationId xmlns:a16="http://schemas.microsoft.com/office/drawing/2014/main" id="{DAA20CB9-60D1-8B7D-DD71-E24F5863A9CE}"/>
+                <a16:creationId xmlns:a16="http://schemas.microsoft.com/office/drawing/2014/main" id="{E9F3C14B-EF5A-7CB1-EB47-25262138B887}"/>
               </a:ext>
             </a:extLst>
           </p:cNvPr>
@@ -2286,7 +2286,7 @@
           <p:cNvPr id="4" name="文本占位符 3">
             <a:extLst>
               <a:ext uri="{FF2B5EF4-FFF2-40B4-BE49-F238E27FC236}">
-                <a16:creationId xmlns:a16="http://schemas.microsoft.com/office/drawing/2014/main" id="{A0C894FB-A6C1-137C-A130-04A1A4811ED8}"/>
+                <a16:creationId xmlns:a16="http://schemas.microsoft.com/office/drawing/2014/main" id="{05836D65-1EFF-44C3-8AB0-8D920D187059}"/>
               </a:ext>
             </a:extLst>
           </p:cNvPr>
@@ -2357,7 +2357,7 @@
           <p:cNvPr id="5" name="日期占位符 4">
             <a:extLst>
               <a:ext uri="{FF2B5EF4-FFF2-40B4-BE49-F238E27FC236}">
-                <a16:creationId xmlns:a16="http://schemas.microsoft.com/office/drawing/2014/main" id="{1A6088C7-75CD-389E-8A5F-CF94D05E60AC}"/>
+                <a16:creationId xmlns:a16="http://schemas.microsoft.com/office/drawing/2014/main" id="{DC932844-020E-BD22-5C73-328590486A88}"/>
               </a:ext>
             </a:extLst>
           </p:cNvPr>
@@ -2373,7 +2373,7 @@
           <a:bodyPr/>
           <a:lstStyle/>
           <a:p>
-            <a:fld id="{4FAED2E2-F926-434D-9F48-4DAF98FAF1B2}" type="datetimeFigureOut">
+            <a:fld id="{B6E97D8C-CABC-4AE1-B438-1C609154DDBD}" type="datetimeFigureOut">
               <a:rPr lang="zh-CN" altLang="en-US" smtClean="0"/>
               <a:t>2024/3/10</a:t>
             </a:fld>
@@ -2386,7 +2386,7 @@
           <p:cNvPr id="6" name="页脚占位符 5">
             <a:extLst>
               <a:ext uri="{FF2B5EF4-FFF2-40B4-BE49-F238E27FC236}">
-                <a16:creationId xmlns:a16="http://schemas.microsoft.com/office/drawing/2014/main" id="{649AFF3B-6E82-FFFD-88F7-F6E3EE39AD17}"/>
+                <a16:creationId xmlns:a16="http://schemas.microsoft.com/office/drawing/2014/main" id="{E3A38876-FC33-38B6-2A3D-463589764462}"/>
               </a:ext>
             </a:extLst>
           </p:cNvPr>
@@ -2411,7 +2411,7 @@
           <p:cNvPr id="7" name="灯片编号占位符 6">
             <a:extLst>
               <a:ext uri="{FF2B5EF4-FFF2-40B4-BE49-F238E27FC236}">
-                <a16:creationId xmlns:a16="http://schemas.microsoft.com/office/drawing/2014/main" id="{20A28136-85EB-4277-E967-76F653918381}"/>
+                <a16:creationId xmlns:a16="http://schemas.microsoft.com/office/drawing/2014/main" id="{F1EE8079-390B-2B0C-19D5-5F87C5C2AD3C}"/>
               </a:ext>
             </a:extLst>
           </p:cNvPr>
@@ -2427,7 +2427,7 @@
           <a:bodyPr/>
           <a:lstStyle/>
           <a:p>
-            <a:fld id="{C708335B-6A8C-4E77-BFC4-E832203F6244}" type="slidenum">
+            <a:fld id="{D225FAAF-CC4A-44D3-B791-0504D18DEE17}" type="slidenum">
               <a:rPr lang="zh-CN" altLang="en-US" smtClean="0"/>
               <a:t>‹#›</a:t>
             </a:fld>
@@ -2438,7 +2438,7 @@
     </p:spTree>
     <p:extLst>
       <p:ext uri="{BB962C8B-B14F-4D97-AF65-F5344CB8AC3E}">
-        <p14:creationId xmlns:p14="http://schemas.microsoft.com/office/powerpoint/2010/main" val="3909674919"/>
+        <p14:creationId xmlns:p14="http://schemas.microsoft.com/office/powerpoint/2010/main" val="1343666239"/>
       </p:ext>
     </p:extLst>
   </p:cSld>
@@ -2470,7 +2470,7 @@
           <p:cNvPr id="2" name="标题 1">
             <a:extLst>
               <a:ext uri="{FF2B5EF4-FFF2-40B4-BE49-F238E27FC236}">
-                <a16:creationId xmlns:a16="http://schemas.microsoft.com/office/drawing/2014/main" id="{AE6688C2-3A54-FBA4-AB35-AB6E646EA7E8}"/>
+                <a16:creationId xmlns:a16="http://schemas.microsoft.com/office/drawing/2014/main" id="{E8522BF5-262B-06F4-C1AA-6D0EB416416A}"/>
               </a:ext>
             </a:extLst>
           </p:cNvPr>
@@ -2507,7 +2507,7 @@
           <p:cNvPr id="3" name="图片占位符 2">
             <a:extLst>
               <a:ext uri="{FF2B5EF4-FFF2-40B4-BE49-F238E27FC236}">
-                <a16:creationId xmlns:a16="http://schemas.microsoft.com/office/drawing/2014/main" id="{882F3A4E-6CE2-FE08-E783-4676A167FB49}"/>
+                <a16:creationId xmlns:a16="http://schemas.microsoft.com/office/drawing/2014/main" id="{BE3950BB-FA5C-29CC-4426-14AA18A7170A}"/>
               </a:ext>
             </a:extLst>
           </p:cNvPr>
@@ -2574,7 +2574,7 @@
           <p:cNvPr id="4" name="文本占位符 3">
             <a:extLst>
               <a:ext uri="{FF2B5EF4-FFF2-40B4-BE49-F238E27FC236}">
-                <a16:creationId xmlns:a16="http://schemas.microsoft.com/office/drawing/2014/main" id="{85784ECD-4D0C-18B4-59FF-2813D3E0F941}"/>
+                <a16:creationId xmlns:a16="http://schemas.microsoft.com/office/drawing/2014/main" id="{D406DCB9-1F32-E315-7187-D928ACBA3F31}"/>
               </a:ext>
             </a:extLst>
           </p:cNvPr>
@@ -2645,7 +2645,7 @@
           <p:cNvPr id="5" name="日期占位符 4">
             <a:extLst>
               <a:ext uri="{FF2B5EF4-FFF2-40B4-BE49-F238E27FC236}">
-                <a16:creationId xmlns:a16="http://schemas.microsoft.com/office/drawing/2014/main" id="{C91BB91A-5D77-899A-0441-D48C4B2E2E28}"/>
+                <a16:creationId xmlns:a16="http://schemas.microsoft.com/office/drawing/2014/main" id="{F54E5082-1AA1-3C64-31EA-C430C410CCD9}"/>
               </a:ext>
             </a:extLst>
           </p:cNvPr>
@@ -2661,7 +2661,7 @@
           <a:bodyPr/>
           <a:lstStyle/>
           <a:p>
-            <a:fld id="{4FAED2E2-F926-434D-9F48-4DAF98FAF1B2}" type="datetimeFigureOut">
+            <a:fld id="{B6E97D8C-CABC-4AE1-B438-1C609154DDBD}" type="datetimeFigureOut">
               <a:rPr lang="zh-CN" altLang="en-US" smtClean="0"/>
               <a:t>2024/3/10</a:t>
             </a:fld>
@@ -2674,7 +2674,7 @@
           <p:cNvPr id="6" name="页脚占位符 5">
             <a:extLst>
               <a:ext uri="{FF2B5EF4-FFF2-40B4-BE49-F238E27FC236}">
-                <a16:creationId xmlns:a16="http://schemas.microsoft.com/office/drawing/2014/main" id="{4CC6AEB2-9D12-A0CF-B1E9-28F82BA172DD}"/>
+                <a16:creationId xmlns:a16="http://schemas.microsoft.com/office/drawing/2014/main" id="{03CAD1FE-1835-07BF-5420-E259DD3005CA}"/>
               </a:ext>
             </a:extLst>
           </p:cNvPr>
@@ -2699,7 +2699,7 @@
           <p:cNvPr id="7" name="灯片编号占位符 6">
             <a:extLst>
               <a:ext uri="{FF2B5EF4-FFF2-40B4-BE49-F238E27FC236}">
-                <a16:creationId xmlns:a16="http://schemas.microsoft.com/office/drawing/2014/main" id="{2513737F-BF71-0C5D-9BBD-78AED3E40E9C}"/>
+                <a16:creationId xmlns:a16="http://schemas.microsoft.com/office/drawing/2014/main" id="{E0F8D19E-BD28-CA84-D61F-AC0F993EE5DC}"/>
               </a:ext>
             </a:extLst>
           </p:cNvPr>
@@ -2715,7 +2715,7 @@
           <a:bodyPr/>
           <a:lstStyle/>
           <a:p>
-            <a:fld id="{C708335B-6A8C-4E77-BFC4-E832203F6244}" type="slidenum">
+            <a:fld id="{D225FAAF-CC4A-44D3-B791-0504D18DEE17}" type="slidenum">
               <a:rPr lang="zh-CN" altLang="en-US" smtClean="0"/>
               <a:t>‹#›</a:t>
             </a:fld>
@@ -2726,7 +2726,7 @@
     </p:spTree>
     <p:extLst>
       <p:ext uri="{BB962C8B-B14F-4D97-AF65-F5344CB8AC3E}">
-        <p14:creationId xmlns:p14="http://schemas.microsoft.com/office/powerpoint/2010/main" val="3955438505"/>
+        <p14:creationId xmlns:p14="http://schemas.microsoft.com/office/powerpoint/2010/main" val="15332006"/>
       </p:ext>
     </p:extLst>
   </p:cSld>
@@ -2763,7 +2763,7 @@
           <p:cNvPr id="2" name="标题占位符 1">
             <a:extLst>
               <a:ext uri="{FF2B5EF4-FFF2-40B4-BE49-F238E27FC236}">
-                <a16:creationId xmlns:a16="http://schemas.microsoft.com/office/drawing/2014/main" id="{A22AD0D2-C356-4623-D8E4-824CFF1C052E}"/>
+                <a16:creationId xmlns:a16="http://schemas.microsoft.com/office/drawing/2014/main" id="{C156EEFA-727E-35B7-8A89-E613E479BA5F}"/>
               </a:ext>
             </a:extLst>
           </p:cNvPr>
@@ -2801,7 +2801,7 @@
           <p:cNvPr id="3" name="文本占位符 2">
             <a:extLst>
               <a:ext uri="{FF2B5EF4-FFF2-40B4-BE49-F238E27FC236}">
-                <a16:creationId xmlns:a16="http://schemas.microsoft.com/office/drawing/2014/main" id="{80D66DDD-0CAC-26B0-1733-77B2E737C7A6}"/>
+                <a16:creationId xmlns:a16="http://schemas.microsoft.com/office/drawing/2014/main" id="{DE69E8ED-20FA-E953-4F16-1126063100B7}"/>
               </a:ext>
             </a:extLst>
           </p:cNvPr>
@@ -2868,7 +2868,7 @@
           <p:cNvPr id="4" name="日期占位符 3">
             <a:extLst>
               <a:ext uri="{FF2B5EF4-FFF2-40B4-BE49-F238E27FC236}">
-                <a16:creationId xmlns:a16="http://schemas.microsoft.com/office/drawing/2014/main" id="{60480965-8D25-BCB8-DB4E-986F7C6276A4}"/>
+                <a16:creationId xmlns:a16="http://schemas.microsoft.com/office/drawing/2014/main" id="{05131619-53BD-B540-02FF-9D5CDCA82F71}"/>
               </a:ext>
             </a:extLst>
           </p:cNvPr>
@@ -2902,7 +2902,7 @@
             </a:lvl1pPr>
           </a:lstStyle>
           <a:p>
-            <a:fld id="{4FAED2E2-F926-434D-9F48-4DAF98FAF1B2}" type="datetimeFigureOut">
+            <a:fld id="{B6E97D8C-CABC-4AE1-B438-1C609154DDBD}" type="datetimeFigureOut">
               <a:rPr lang="zh-CN" altLang="en-US" smtClean="0"/>
               <a:t>2024/3/10</a:t>
             </a:fld>
@@ -2915,7 +2915,7 @@
           <p:cNvPr id="5" name="页脚占位符 4">
             <a:extLst>
               <a:ext uri="{FF2B5EF4-FFF2-40B4-BE49-F238E27FC236}">
-                <a16:creationId xmlns:a16="http://schemas.microsoft.com/office/drawing/2014/main" id="{985C4BF7-8B23-CAF5-A0C1-DC2174E4FB80}"/>
+                <a16:creationId xmlns:a16="http://schemas.microsoft.com/office/drawing/2014/main" id="{CAF46BEE-EC45-7260-408B-19551FD7624D}"/>
               </a:ext>
             </a:extLst>
           </p:cNvPr>
@@ -2958,7 +2958,7 @@
           <p:cNvPr id="6" name="灯片编号占位符 5">
             <a:extLst>
               <a:ext uri="{FF2B5EF4-FFF2-40B4-BE49-F238E27FC236}">
-                <a16:creationId xmlns:a16="http://schemas.microsoft.com/office/drawing/2014/main" id="{025FD919-7DEB-D909-A1D6-E7E18B3FF302}"/>
+                <a16:creationId xmlns:a16="http://schemas.microsoft.com/office/drawing/2014/main" id="{CD674DF1-BBE7-FD57-D433-440D678D154A}"/>
               </a:ext>
             </a:extLst>
           </p:cNvPr>
@@ -2992,7 +2992,7 @@
             </a:lvl1pPr>
           </a:lstStyle>
           <a:p>
-            <a:fld id="{C708335B-6A8C-4E77-BFC4-E832203F6244}" type="slidenum">
+            <a:fld id="{D225FAAF-CC4A-44D3-B791-0504D18DEE17}" type="slidenum">
               <a:rPr lang="zh-CN" altLang="en-US" smtClean="0"/>
               <a:t>‹#›</a:t>
             </a:fld>
@@ -3003,7 +3003,7 @@
     </p:spTree>
     <p:extLst>
       <p:ext uri="{BB962C8B-B14F-4D97-AF65-F5344CB8AC3E}">
-        <p14:creationId xmlns:p14="http://schemas.microsoft.com/office/powerpoint/2010/main" val="95069700"/>
+        <p14:creationId xmlns:p14="http://schemas.microsoft.com/office/powerpoint/2010/main" val="1551543830"/>
       </p:ext>
     </p:extLst>
   </p:cSld>
@@ -3323,7 +3323,7 @@
       </p:grpSpPr>
       <p:pic>
         <p:nvPicPr>
-          <p:cNvPr id="1238018" name="Picture 2" descr="1208"/>
+          <p:cNvPr id="1239042" name="Picture 2" descr="1209"/>
           <p:cNvPicPr>
             <a:picLocks noChangeAspect="1" noChangeArrowheads="1"/>
           </p:cNvPicPr>
@@ -3344,8 +3344,8 @@
         </p:blipFill>
         <p:spPr bwMode="auto">
           <a:xfrm>
-            <a:off x="1524000" y="1"/>
-            <a:ext cx="9124950" cy="6843713"/>
+            <a:off x="1524000" y="0"/>
+            <a:ext cx="9144000" cy="6858000"/>
           </a:xfrm>
           <a:prstGeom prst="rect">
             <a:avLst/>
@@ -3375,11 +3375,158 @@
           </a:extLst>
         </p:spPr>
       </p:pic>
+      <p:pic>
+        <p:nvPicPr>
+          <p:cNvPr id="1240067" name="Picture 3" descr="1209-2"/>
+          <p:cNvPicPr>
+            <a:picLocks noChangeAspect="1" noChangeArrowheads="1"/>
+          </p:cNvPicPr>
+          <p:nvPr/>
+        </p:nvPicPr>
+        <p:blipFill>
+          <a:blip r:embed="rId3">
+            <a:extLst>
+              <a:ext uri="{28A0092B-C50C-407E-A947-70E740481C1C}">
+                <a14:useLocalDpi xmlns:a14="http://schemas.microsoft.com/office/drawing/2010/main" val="0"/>
+              </a:ext>
+            </a:extLst>
+          </a:blip>
+          <a:srcRect/>
+          <a:stretch>
+            <a:fillRect/>
+          </a:stretch>
+        </p:blipFill>
+        <p:spPr bwMode="auto">
+          <a:xfrm>
+            <a:off x="1524000" y="0"/>
+            <a:ext cx="9144000" cy="6859588"/>
+          </a:xfrm>
+          <a:prstGeom prst="rect">
+            <a:avLst/>
+          </a:prstGeom>
+          <a:noFill/>
+          <a:ln>
+            <a:noFill/>
+          </a:ln>
+          <a:effectLst/>
+          <a:extLst>
+            <a:ext uri="{909E8E84-426E-40DD-AFC4-6F175D3DCCD1}">
+              <a14:hiddenFill xmlns:a14="http://schemas.microsoft.com/office/drawing/2010/main">
+                <a:solidFill>
+                  <a:srgbClr val="FFFFFF"/>
+                </a:solidFill>
+              </a14:hiddenFill>
+            </a:ext>
+            <a:ext uri="{91240B29-F687-4F45-9708-019B960494DF}">
+              <a14:hiddenLine xmlns:a14="http://schemas.microsoft.com/office/drawing/2010/main" w="9525">
+                <a:solidFill>
+                  <a:srgbClr val="000000"/>
+                </a:solidFill>
+                <a:miter lim="800000"/>
+                <a:headEnd/>
+                <a:tailEnd/>
+              </a14:hiddenLine>
+            </a:ext>
+            <a:ext uri="{AF507438-7753-43E0-B8FC-AC1667EBCBE1}">
+              <a14:hiddenEffects xmlns:a14="http://schemas.microsoft.com/office/drawing/2010/main">
+                <a:effectLst>
+                  <a:outerShdw dist="35921" dir="2700000" algn="ctr" rotWithShape="0">
+                    <a:srgbClr val="808080"/>
+                  </a:outerShdw>
+                </a:effectLst>
+              </a14:hiddenEffects>
+            </a:ext>
+          </a:extLst>
+        </p:spPr>
+      </p:pic>
     </p:spTree>
   </p:cSld>
   <p:clrMapOvr>
     <a:masterClrMapping/>
   </p:clrMapOvr>
+  <p:timing>
+    <p:tnLst>
+      <p:par>
+        <p:cTn id="1" dur="indefinite" restart="never" nodeType="tmRoot">
+          <p:childTnLst>
+            <p:seq concurrent="1" nextAc="seek">
+              <p:cTn id="2" dur="indefinite" nodeType="mainSeq">
+                <p:childTnLst>
+                  <p:par>
+                    <p:cTn id="3" fill="hold" nodeType="clickPar">
+                      <p:stCondLst>
+                        <p:cond delay="indefinite"/>
+                      </p:stCondLst>
+                      <p:childTnLst>
+                        <p:par>
+                          <p:cTn id="4" fill="hold" nodeType="withGroup">
+                            <p:stCondLst>
+                              <p:cond delay="0"/>
+                            </p:stCondLst>
+                            <p:childTnLst>
+                              <p:par>
+                                <p:cTn id="5" presetID="10" presetClass="entr" presetSubtype="0" fill="hold" nodeType="clickEffect">
+                                  <p:stCondLst>
+                                    <p:cond delay="0"/>
+                                  </p:stCondLst>
+                                  <p:childTnLst>
+                                    <p:set>
+                                      <p:cBhvr>
+                                        <p:cTn id="6" dur="1" fill="hold">
+                                          <p:stCondLst>
+                                            <p:cond delay="0"/>
+                                          </p:stCondLst>
+                                        </p:cTn>
+                                        <p:tgtEl>
+                                          <p:spTgt spid="1240067"/>
+                                        </p:tgtEl>
+                                        <p:attrNameLst>
+                                          <p:attrName>style.visibility</p:attrName>
+                                        </p:attrNameLst>
+                                      </p:cBhvr>
+                                      <p:to>
+                                        <p:strVal val="visible"/>
+                                      </p:to>
+                                    </p:set>
+                                    <p:animEffect transition="in" filter="fade">
+                                      <p:cBhvr>
+                                        <p:cTn id="7" dur="500"/>
+                                        <p:tgtEl>
+                                          <p:spTgt spid="1240067"/>
+                                        </p:tgtEl>
+                                      </p:cBhvr>
+                                    </p:animEffect>
+                                  </p:childTnLst>
+                                </p:cTn>
+                              </p:par>
+                            </p:childTnLst>
+                          </p:cTn>
+                        </p:par>
+                      </p:childTnLst>
+                    </p:cTn>
+                  </p:par>
+                </p:childTnLst>
+              </p:cTn>
+              <p:prevCondLst>
+                <p:cond evt="onPrev" delay="0">
+                  <p:tgtEl>
+                    <p:sldTgt/>
+                  </p:tgtEl>
+                </p:cond>
+              </p:prevCondLst>
+              <p:nextCondLst>
+                <p:cond evt="onNext" delay="0">
+                  <p:tgtEl>
+                    <p:sldTgt/>
+                  </p:tgtEl>
+                </p:cond>
+              </p:nextCondLst>
+            </p:seq>
+          </p:childTnLst>
+        </p:cTn>
+      </p:par>
+    </p:tnLst>
+  </p:timing>
 </p:sld>
 </file>
 
